--- a/임베디드 SW 프로젝트 발표.pptx
+++ b/임베디드 SW 프로젝트 발표.pptx
@@ -2,7 +2,7 @@
 <file path=ppt/presentation.xml><?xml version="1.0" encoding="utf-8"?>
 <p:presentation xmlns:r="http://schemas.openxmlformats.org/officeDocument/2006/relationships" xmlns:c="http://schemas.openxmlformats.org/drawingml/2006/chart" xmlns:a="http://schemas.openxmlformats.org/drawingml/2006/main" xmlns:dgm="http://schemas.openxmlformats.org/drawingml/2006/diagram" xmlns:dsp="http://schemas.microsoft.com/office/drawing/2008/diagram" xmlns:p="http://schemas.openxmlformats.org/presentationml/2006/main">
   <p:sldMasterIdLst>
-    <p:sldMasterId id="2147483719" r:id="rId1"/>
+    <p:sldMasterId id="2147483724" r:id="rId1"/>
   </p:sldMasterIdLst>
   <p:sldIdLst>
     <p:sldId id="256" r:id="rId2"/>
@@ -3174,20 +3174,9 @@
   <p:cSld>
     <p:bg>
       <p:bgPr shadeToTitle="0">
-        <a:gradFill flip="xy" rotWithShape="1">
-          <a:gsLst>
-            <a:gs pos="0">
-              <a:schemeClr val="accent1"/>
-            </a:gs>
-            <a:gs pos="100000">
-              <a:schemeClr val="bg1"/>
-            </a:gs>
-          </a:gsLst>
-          <a:path path="rect">
-            <a:fillToRect l="100000" t="100000"/>
-          </a:path>
-          <a:tileRect r="-100000" b="-100000"/>
-        </a:gradFill>
+        <a:solidFill>
+          <a:schemeClr val="lt1"/>
+        </a:solidFill>
       </p:bgPr>
     </p:bg>
     <p:spTree>
@@ -3289,20 +3278,9 @@
   <p:cSld>
     <p:bg>
       <p:bgPr shadeToTitle="0">
-        <a:gradFill flip="xy" rotWithShape="1">
-          <a:gsLst>
-            <a:gs pos="0">
-              <a:schemeClr val="accent1"/>
-            </a:gs>
-            <a:gs pos="100000">
-              <a:schemeClr val="bg1"/>
-            </a:gs>
-          </a:gsLst>
-          <a:path path="shape">
-            <a:fillToRect l="50000" t="50000" r="50000" b="50000"/>
-          </a:path>
-          <a:tileRect/>
-        </a:gradFill>
+        <a:solidFill>
+          <a:schemeClr val="lt1"/>
+        </a:solidFill>
       </p:bgPr>
     </p:bg>
     <p:spTree>
@@ -3355,7 +3333,12 @@
             <p:ph idx="1"/>
           </p:nvPr>
         </p:nvSpPr>
-        <p:spPr/>
+        <p:spPr>
+          <a:xfrm>
+            <a:off x="0" y="1647428"/>
+            <a:ext cx="10972798" cy="5210572"/>
+          </a:xfrm>
+        </p:spPr>
         <p:txBody>
           <a:bodyPr>
             <a:noAutofit/>
@@ -3367,51 +3350,23 @@
             </a:pPr>
             <a:r>
               <a:rPr lang="ko-KR" altLang="en-US" sz="2700"/>
-              <a:t>총</a:t>
+              <a:t>위에서 떨어지는 </a:t>
             </a:r>
             <a:r>
               <a:rPr lang="en-US" altLang="ko-KR" sz="2700"/>
-              <a:t>8</a:t>
+              <a:t>F</a:t>
             </a:r>
             <a:r>
               <a:rPr lang="ko-KR" altLang="en-US" sz="2700"/>
-              <a:t>개의 섹터로 나뉩니다</a:t>
+              <a:t>학점을 피하세요</a:t>
             </a:r>
             <a:r>
               <a:rPr lang="en-US" altLang="ko-KR" sz="2700"/>
-              <a:t>.</a:t>
+              <a:t>!</a:t>
             </a:r>
             <a:r>
               <a:rPr lang="ko-KR" altLang="en-US" sz="2700"/>
-              <a:t>  </a:t>
-            </a:r>
-            <a:r>
-              <a:rPr lang="en-US" altLang="ko-KR" sz="2700"/>
-              <a:t>8</a:t>
-            </a:r>
-            <a:r>
-              <a:rPr lang="ko-KR" altLang="en-US" sz="2700"/>
-              <a:t>개의 크기는 각각 </a:t>
-            </a:r>
-            <a:r>
-              <a:rPr lang="en-US" altLang="ko-KR" sz="2700"/>
-              <a:t>30x30</a:t>
-            </a:r>
-            <a:r>
-              <a:rPr lang="ko-KR" altLang="en-US" sz="2700"/>
-              <a:t>으로 </a:t>
-            </a:r>
-            <a:r>
-              <a:rPr lang="en-US" altLang="ko-KR" sz="2700"/>
-              <a:t>8</a:t>
-            </a:r>
-            <a:r>
-              <a:rPr lang="ko-KR" altLang="en-US" sz="2700"/>
-              <a:t>개가 모두 모이면 가득 차는 사이즈로 만들어놨습니다</a:t>
-            </a:r>
-            <a:r>
-              <a:rPr lang="en-US" altLang="ko-KR" sz="2700"/>
-              <a:t>.</a:t>
+              <a:t> </a:t>
             </a:r>
             <a:endParaRPr lang="ko-KR" altLang="en-US" sz="2700"/>
           </a:p>
@@ -3425,7 +3380,7 @@
             </a:r>
             <a:r>
               <a:rPr lang="ko-KR" altLang="en-US" sz="2700"/>
-              <a:t>개의 섹터중 </a:t>
+              <a:t>개의 구역중 </a:t>
             </a:r>
             <a:r>
               <a:rPr lang="en-US" altLang="ko-KR" sz="2700"/>
@@ -3433,7 +3388,7 @@
             </a:r>
             <a:r>
               <a:rPr lang="ko-KR" altLang="en-US" sz="2700"/>
-              <a:t>개의 섹터가 랜덤으로 구멍이 뚫리고</a:t>
+              <a:t>개의 구역에서 랜덤으로 구멍이 뚫리고</a:t>
             </a:r>
             <a:r>
               <a:rPr lang="en-US" altLang="ko-KR" sz="2700"/>
@@ -3441,17 +3396,29 @@
             </a:r>
             <a:r>
               <a:rPr lang="ko-KR" altLang="en-US" sz="2700"/>
-              <a:t> 그 안으로 들어가서 통과 후 그 줄이 바닥에 닿으면 </a:t>
+              <a:t> 그 안으로 들어가서 통과 하면</a:t>
             </a:r>
             <a:r>
               <a:rPr lang="en-US" altLang="ko-KR" sz="2700"/>
-              <a:t>score</a:t>
+              <a:t>,</a:t>
             </a:r>
             <a:r>
               <a:rPr lang="ko-KR" altLang="en-US" sz="2700"/>
-              <a:t>가 증가합니다</a:t>
-            </a:r>
-            <a:endParaRPr lang="ko-KR" altLang="en-US" sz="2700"/>
+              <a:t> </a:t>
+            </a:r>
+            <a:r>
+              <a:rPr lang="en-US" altLang="ko-KR" sz="2700"/>
+              <a:t>F</a:t>
+            </a:r>
+            <a:r>
+              <a:rPr lang="ko-KR" altLang="en-US" sz="2700"/>
+              <a:t>학점 종이가 바닥에 닿으면 점수가 추가됩니다</a:t>
+            </a:r>
+            <a:r>
+              <a:rPr lang="en-US" altLang="ko-KR" sz="2700"/>
+              <a:t>.</a:t>
+            </a:r>
+            <a:endParaRPr lang="en-US" altLang="ko-KR" sz="2700"/>
           </a:p>
           <a:p>
             <a:pPr>
@@ -3535,7 +3502,7 @@
             </a:r>
             <a:r>
               <a:rPr lang="en-US" altLang="ko-KR" sz="2700"/>
-              <a:t>2</a:t>
+              <a:t>3</a:t>
             </a:r>
             <a:r>
               <a:rPr lang="ko-KR" altLang="en-US" sz="2700"/>
@@ -3566,6 +3533,50 @@
               <a:t>씩 줄어듭니다</a:t>
             </a:r>
             <a:endParaRPr lang="ko-KR" altLang="en-US" sz="2700"/>
+          </a:p>
+          <a:p>
+            <a:pPr>
+              <a:defRPr/>
+            </a:pPr>
+            <a:r>
+              <a:rPr lang="ko-KR" altLang="en-US" sz="2700"/>
+              <a:t>최종 </a:t>
+            </a:r>
+            <a:r>
+              <a:rPr lang="en-US" altLang="ko-KR" sz="2700"/>
+              <a:t>20</a:t>
+            </a:r>
+            <a:r>
+              <a:rPr lang="ko-KR" altLang="en-US" sz="2700"/>
+              <a:t>단계는 보스 스테이지로</a:t>
+            </a:r>
+            <a:r>
+              <a:rPr lang="en-US" altLang="ko-KR" sz="2700"/>
+              <a:t>,</a:t>
+            </a:r>
+            <a:r>
+              <a:rPr lang="ko-KR" altLang="en-US" sz="2700"/>
+              <a:t> 일반 단계보다 속도가 훨씬 빠르게 구현되어있습니다</a:t>
+            </a:r>
+            <a:r>
+              <a:rPr lang="en-US" altLang="ko-KR" sz="2700"/>
+              <a:t>.</a:t>
+            </a:r>
+            <a:endParaRPr lang="en-US" altLang="ko-KR" sz="2700"/>
+          </a:p>
+          <a:p>
+            <a:pPr>
+              <a:defRPr/>
+            </a:pPr>
+            <a:r>
+              <a:rPr lang="ko-KR" altLang="en-US" sz="2700"/>
+              <a:t>게임 클리어시 소정의 문구가 반겨줍니다</a:t>
+            </a:r>
+            <a:r>
+              <a:rPr lang="en-US" altLang="ko-KR" sz="2700"/>
+              <a:t>.</a:t>
+            </a:r>
+            <a:endParaRPr lang="en-US" altLang="ko-KR" sz="2700"/>
           </a:p>
           <a:p>
             <a:pPr>
@@ -3575,6 +3586,43 @@
           </a:p>
         </p:txBody>
       </p:sp>
+      <p:pic>
+        <p:nvPicPr>
+          <p:cNvPr id="5" name=""/>
+          <p:cNvPicPr>
+            <a:picLocks noChangeAspect="1"/>
+          </p:cNvPicPr>
+          <p:nvPr/>
+        </p:nvPicPr>
+        <p:blipFill rotWithShape="1">
+          <a:blip r:embed="rId3">
+            <a:lum/>
+            <a:extLst>
+              <a:ext uri="783A4284-B454-46f5-B8C8-42B5039CE256">
+                <hp:hncPhoto xmlns:hp="http://schemas.haansoft.com/office/presentation/8.0">
+                  <hd:imgLayer xmlns:hd="http://schemas.haansoft.com/office/drawingml/8.0" r:embed="rId2">
+                    <hd:imgEffect xmlns:hd="http://schemas.haansoft.com/office/drawingml/8.0">
+                      <hd:artEffectSharpenSoften amount="-95000"/>
+                    </hd:imgEffect>
+                  </hd:imgLayer>
+                </hp:hncPhoto>
+              </a:ext>
+            </a:extLst>
+          </a:blip>
+          <a:stretch>
+            <a:fillRect/>
+          </a:stretch>
+        </p:blipFill>
+        <p:spPr>
+          <a:xfrm>
+            <a:off x="8981992" y="0"/>
+            <a:ext cx="3210008" cy="2186781"/>
+          </a:xfrm>
+          <a:prstGeom prst="rect">
+            <a:avLst/>
+          </a:prstGeom>
+        </p:spPr>
+      </p:pic>
     </p:spTree>
   </p:cSld>
   <p:clrMapOvr>
